--- a/reports/presentation.pptx
+++ b/reports/presentation.pptx
@@ -123,6 +123,11 @@
       </a:defRPr>
     </a:lvl9pPr>
   </p:defaultTextStyle>
+  <p:extLst>
+    <p:ext uri="{EFAFB233-063F-42B5-8137-9DF3F51BA10A}">
+      <p15:sldGuideLst xmlns:p15="http://schemas.microsoft.com/office/powerpoint/2012/main"/>
+    </p:ext>
+  </p:extLst>
 </p:presentation>
 </file>
 
@@ -457,7 +462,7 @@
           <a:p>
             <a:fld id="{7F837AE7-7D96-4B9C-BAF7-CAC6A45F82C9}" type="datetimeFigureOut">
               <a:rPr lang="en-US" smtClean="0"/>
-              <a:t>5/31/2020</a:t>
+              <a:t>6/1/2020</a:t>
             </a:fld>
             <a:endParaRPr lang="en-US"/>
           </a:p>
@@ -781,7 +786,7 @@
           <a:p>
             <a:fld id="{7F837AE7-7D96-4B9C-BAF7-CAC6A45F82C9}" type="datetimeFigureOut">
               <a:rPr lang="en-US" smtClean="0"/>
-              <a:t>5/31/2020</a:t>
+              <a:t>6/1/2020</a:t>
             </a:fld>
             <a:endParaRPr lang="en-US"/>
           </a:p>
@@ -1029,7 +1034,7 @@
           <a:p>
             <a:fld id="{7F837AE7-7D96-4B9C-BAF7-CAC6A45F82C9}" type="datetimeFigureOut">
               <a:rPr lang="en-US" smtClean="0"/>
-              <a:t>5/31/2020</a:t>
+              <a:t>6/1/2020</a:t>
             </a:fld>
             <a:endParaRPr lang="en-US"/>
           </a:p>
@@ -1368,7 +1373,7 @@
           <a:p>
             <a:fld id="{7F837AE7-7D96-4B9C-BAF7-CAC6A45F82C9}" type="datetimeFigureOut">
               <a:rPr lang="en-US" smtClean="0"/>
-              <a:t>5/31/2020</a:t>
+              <a:t>6/1/2020</a:t>
             </a:fld>
             <a:endParaRPr lang="en-US"/>
           </a:p>
@@ -1715,7 +1720,7 @@
           <a:p>
             <a:fld id="{7F837AE7-7D96-4B9C-BAF7-CAC6A45F82C9}" type="datetimeFigureOut">
               <a:rPr lang="en-US" smtClean="0"/>
-              <a:t>5/31/2020</a:t>
+              <a:t>6/1/2020</a:t>
             </a:fld>
             <a:endParaRPr lang="en-US"/>
           </a:p>
@@ -2089,7 +2094,7 @@
           <a:p>
             <a:fld id="{7F837AE7-7D96-4B9C-BAF7-CAC6A45F82C9}" type="datetimeFigureOut">
               <a:rPr lang="en-US" smtClean="0"/>
-              <a:t>5/31/2020</a:t>
+              <a:t>6/1/2020</a:t>
             </a:fld>
             <a:endParaRPr lang="en-US"/>
           </a:p>
@@ -2559,7 +2564,7 @@
           <a:p>
             <a:fld id="{7F837AE7-7D96-4B9C-BAF7-CAC6A45F82C9}" type="datetimeFigureOut">
               <a:rPr lang="en-US" smtClean="0"/>
-              <a:t>5/31/2020</a:t>
+              <a:t>6/1/2020</a:t>
             </a:fld>
             <a:endParaRPr lang="en-US"/>
           </a:p>
@@ -2764,7 +2769,7 @@
           <a:p>
             <a:fld id="{7F837AE7-7D96-4B9C-BAF7-CAC6A45F82C9}" type="datetimeFigureOut">
               <a:rPr lang="en-US" smtClean="0"/>
-              <a:t>5/31/2020</a:t>
+              <a:t>6/1/2020</a:t>
             </a:fld>
             <a:endParaRPr lang="en-US"/>
           </a:p>
@@ -2975,7 +2980,7 @@
           <a:p>
             <a:fld id="{7F837AE7-7D96-4B9C-BAF7-CAC6A45F82C9}" type="datetimeFigureOut">
               <a:rPr lang="en-US" smtClean="0"/>
-              <a:t>5/31/2020</a:t>
+              <a:t>6/1/2020</a:t>
             </a:fld>
             <a:endParaRPr lang="en-US"/>
           </a:p>
@@ -3207,7 +3212,7 @@
           <a:p>
             <a:fld id="{7F837AE7-7D96-4B9C-BAF7-CAC6A45F82C9}" type="datetimeFigureOut">
               <a:rPr lang="en-US" smtClean="0"/>
-              <a:t>5/31/2020</a:t>
+              <a:t>6/1/2020</a:t>
             </a:fld>
             <a:endParaRPr lang="en-US"/>
           </a:p>
@@ -3455,7 +3460,7 @@
           <a:p>
             <a:fld id="{7F837AE7-7D96-4B9C-BAF7-CAC6A45F82C9}" type="datetimeFigureOut">
               <a:rPr lang="en-US" smtClean="0"/>
-              <a:t>5/31/2020</a:t>
+              <a:t>6/1/2020</a:t>
             </a:fld>
             <a:endParaRPr lang="en-US"/>
           </a:p>
@@ -3753,7 +3758,7 @@
           <a:p>
             <a:fld id="{7F837AE7-7D96-4B9C-BAF7-CAC6A45F82C9}" type="datetimeFigureOut">
               <a:rPr lang="en-US" smtClean="0"/>
-              <a:t>5/31/2020</a:t>
+              <a:t>6/1/2020</a:t>
             </a:fld>
             <a:endParaRPr lang="en-US"/>
           </a:p>
@@ -4147,7 +4152,7 @@
           <a:p>
             <a:fld id="{7F837AE7-7D96-4B9C-BAF7-CAC6A45F82C9}" type="datetimeFigureOut">
               <a:rPr lang="en-US" smtClean="0"/>
-              <a:t>5/31/2020</a:t>
+              <a:t>6/1/2020</a:t>
             </a:fld>
             <a:endParaRPr lang="en-US"/>
           </a:p>
@@ -4296,7 +4301,7 @@
           <a:p>
             <a:fld id="{7F837AE7-7D96-4B9C-BAF7-CAC6A45F82C9}" type="datetimeFigureOut">
               <a:rPr lang="en-US" smtClean="0"/>
-              <a:t>5/31/2020</a:t>
+              <a:t>6/1/2020</a:t>
             </a:fld>
             <a:endParaRPr lang="en-US"/>
           </a:p>
@@ -4422,7 +4427,7 @@
           <a:p>
             <a:fld id="{7F837AE7-7D96-4B9C-BAF7-CAC6A45F82C9}" type="datetimeFigureOut">
               <a:rPr lang="en-US" smtClean="0"/>
-              <a:t>5/31/2020</a:t>
+              <a:t>6/1/2020</a:t>
             </a:fld>
             <a:endParaRPr lang="en-US"/>
           </a:p>
@@ -4677,7 +4682,7 @@
           <a:p>
             <a:fld id="{7F837AE7-7D96-4B9C-BAF7-CAC6A45F82C9}" type="datetimeFigureOut">
               <a:rPr lang="en-US" smtClean="0"/>
-              <a:t>5/31/2020</a:t>
+              <a:t>6/1/2020</a:t>
             </a:fld>
             <a:endParaRPr lang="en-US"/>
           </a:p>
@@ -4992,7 +4997,7 @@
           <a:p>
             <a:fld id="{7F837AE7-7D96-4B9C-BAF7-CAC6A45F82C9}" type="datetimeFigureOut">
               <a:rPr lang="en-US" smtClean="0"/>
-              <a:t>5/31/2020</a:t>
+              <a:t>6/1/2020</a:t>
             </a:fld>
             <a:endParaRPr lang="en-US"/>
           </a:p>
@@ -5343,7 +5348,7 @@
           <a:p>
             <a:fld id="{7F837AE7-7D96-4B9C-BAF7-CAC6A45F82C9}" type="datetimeFigureOut">
               <a:rPr lang="en-US" smtClean="0"/>
-              <a:t>5/31/2020</a:t>
+              <a:t>6/1/2020</a:t>
             </a:fld>
             <a:endParaRPr lang="en-US"/>
           </a:p>
@@ -7755,7 +7760,13 @@
             </a:r>
             <a:r>
               <a:rPr lang="en-US" dirty="0"/>
-              <a:t>, and </a:t>
+              <a:t>, </a:t>
+            </a:r>
+          </a:p>
+          <a:p>
+            <a:r>
+              <a:rPr lang="en-US" dirty="0"/>
+              <a:t>and </a:t>
             </a:r>
             <a:r>
               <a:rPr lang="en-US" dirty="0" err="1"/>
